--- a/노트/8_1st Project/sample_ver0309.pptx
+++ b/노트/8_1st Project/sample_ver0309.pptx
@@ -123,7 +123,7 @@
   </p:defaultTextStyle>
   <p:extLst>
     <p:ext uri="{EFAFB233-063F-42B5-8137-9DF3F51BA10A}">
-      <p15:sldGuideLst xmlns="" xmlns:p15="http://schemas.microsoft.com/office/powerpoint/2012/main">
+      <p15:sldGuideLst xmlns:p15="http://schemas.microsoft.com/office/powerpoint/2012/main" xmlns="">
         <p15:guide id="1" orient="horz" pos="2160">
           <p15:clr>
             <a:srgbClr val="A4A3A4"/>
@@ -137,7 +137,7 @@
       </p15:sldGuideLst>
     </p:ext>
     <p:ext uri="{2D200454-40CA-4A62-9FC3-DE9A4176ACB9}">
-      <p15:notesGuideLst xmlns="" xmlns:p15="http://schemas.microsoft.com/office/powerpoint/2012/main">
+      <p15:notesGuideLst xmlns:p15="http://schemas.microsoft.com/office/powerpoint/2012/main" xmlns="">
         <p15:guide id="1" orient="horz" pos="2880">
           <p15:clr>
             <a:srgbClr val="A4A3A4"/>
@@ -4655,8 +4655,8 @@
         </p:nvSpPr>
         <p:spPr>
           <a:xfrm>
-            <a:off x="2666918" y="3001838"/>
-            <a:ext cx="5199477" cy="369332"/>
+            <a:off x="2267744" y="3001838"/>
+            <a:ext cx="5976664" cy="369332"/>
           </a:xfrm>
           <a:prstGeom prst="rect">
             <a:avLst/>
@@ -4715,7 +4715,7 @@
                   <a:srgbClr val="FFC000"/>
                 </a:solidFill>
               </a:rPr>
-              <a:t>- </a:t>
+              <a:t>– </a:t>
             </a:r>
             <a:r>
               <a:rPr lang="ko-KR" altLang="en-US" b="1" dirty="0" err="1" smtClean="0">
@@ -4724,6 +4724,30 @@
                 </a:solidFill>
               </a:rPr>
               <a:t>과정평가형자격</a:t>
+            </a:r>
+            <a:r>
+              <a:rPr lang="ko-KR" altLang="en-US" b="1" dirty="0" smtClean="0">
+                <a:solidFill>
+                  <a:srgbClr val="FFC000"/>
+                </a:solidFill>
+              </a:rPr>
+              <a:t> </a:t>
+            </a:r>
+            <a:r>
+              <a:rPr lang="ko-KR" altLang="en-US" b="1" dirty="0" smtClean="0">
+                <a:solidFill>
+                  <a:srgbClr val="FFC000"/>
+                </a:solidFill>
+              </a:rPr>
+              <a:t>아무</a:t>
+            </a:r>
+            <a:r>
+              <a:rPr lang="ko-KR" altLang="en-US" b="1" dirty="0">
+                <a:solidFill>
+                  <a:srgbClr val="FFC000"/>
+                </a:solidFill>
+              </a:rPr>
+              <a:t>개</a:t>
             </a:r>
             <a:endParaRPr lang="ko-KR" altLang="en-US" b="1" dirty="0">
               <a:solidFill>
@@ -6291,6 +6315,13 @@
   <p:clrMapOvr>
     <a:masterClrMapping/>
   </p:clrMapOvr>
+  <p:timing>
+    <p:tnLst>
+      <p:par>
+        <p:cTn id="1" dur="indefinite" restart="never" nodeType="tmRoot"/>
+      </p:par>
+    </p:tnLst>
+  </p:timing>
 </p:sld>
 </file>
 
@@ -7102,6 +7133,13 @@
   <p:clrMapOvr>
     <a:masterClrMapping/>
   </p:clrMapOvr>
+  <p:timing>
+    <p:tnLst>
+      <p:par>
+        <p:cTn id="1" dur="indefinite" restart="never" nodeType="tmRoot"/>
+      </p:par>
+    </p:tnLst>
+  </p:timing>
 </p:sld>
 </file>
 
@@ -9509,6 +9547,13 @@
   <p:clrMapOvr>
     <a:masterClrMapping/>
   </p:clrMapOvr>
+  <p:timing>
+    <p:tnLst>
+      <p:par>
+        <p:cTn id="1" dur="indefinite" restart="never" nodeType="tmRoot"/>
+      </p:par>
+    </p:tnLst>
+  </p:timing>
 </p:sld>
 </file>
 
@@ -12438,6 +12483,13 @@
   <p:clrMapOvr>
     <a:masterClrMapping/>
   </p:clrMapOvr>
+  <p:timing>
+    <p:tnLst>
+      <p:par>
+        <p:cTn id="1" dur="indefinite" restart="never" nodeType="tmRoot"/>
+      </p:par>
+    </p:tnLst>
+  </p:timing>
 </p:sld>
 </file>
 
@@ -18563,6 +18615,13 @@
   <p:clrMapOvr>
     <a:masterClrMapping/>
   </p:clrMapOvr>
+  <p:timing>
+    <p:tnLst>
+      <p:par>
+        <p:cTn id="1" dur="indefinite" restart="never" nodeType="tmRoot"/>
+      </p:par>
+    </p:tnLst>
+  </p:timing>
 </p:sld>
 </file>
 
@@ -18722,6 +18781,13 @@
   <p:clrMapOvr>
     <a:masterClrMapping/>
   </p:clrMapOvr>
+  <p:timing>
+    <p:tnLst>
+      <p:par>
+        <p:cTn id="1" dur="indefinite" restart="never" nodeType="tmRoot"/>
+      </p:par>
+    </p:tnLst>
+  </p:timing>
 </p:sld>
 </file>
 
